--- a/Final Project.pptx
+++ b/Final Project.pptx
@@ -6,6 +6,8 @@
   </p:sldMasterIdLst>
   <p:sldIdLst>
     <p:sldId id="256" r:id="rId2"/>
+    <p:sldId id="257" r:id="rId3"/>
+    <p:sldId id="258" r:id="rId4"/>
   </p:sldIdLst>
   <p:sldSz cx="12192000" cy="6858000"/>
   <p:notesSz cx="6858000" cy="9144000"/>
@@ -104,6 +106,11 @@
       </a:defRPr>
     </a:lvl9pPr>
   </p:defaultTextStyle>
+  <p:extLst>
+    <p:ext uri="{EFAFB233-063F-42B5-8137-9DF3F51BA10A}">
+      <p15:sldGuideLst xmlns:p15="http://schemas.microsoft.com/office/powerpoint/2012/main"/>
+    </p:ext>
+  </p:extLst>
 </p:presentation>
 </file>
 
@@ -3642,6 +3649,221 @@
 </p:sld>
 </file>
 
+<file path=ppt/slides/slide2.xml><?xml version="1.0" encoding="utf-8"?>
+<p:sld xmlns:a="http://schemas.openxmlformats.org/drawingml/2006/main" xmlns:r="http://schemas.openxmlformats.org/officeDocument/2006/relationships" xmlns:p="http://schemas.openxmlformats.org/presentationml/2006/main">
+  <p:cSld>
+    <p:spTree>
+      <p:nvGrpSpPr>
+        <p:cNvPr id="1" name=""/>
+        <p:cNvGrpSpPr/>
+        <p:nvPr/>
+      </p:nvGrpSpPr>
+      <p:grpSpPr>
+        <a:xfrm>
+          <a:off x="0" y="0"/>
+          <a:ext cx="0" cy="0"/>
+          <a:chOff x="0" y="0"/>
+          <a:chExt cx="0" cy="0"/>
+        </a:xfrm>
+      </p:grpSpPr>
+      <p:sp>
+        <p:nvSpPr>
+          <p:cNvPr id="2" name="Title 1">
+            <a:extLst>
+              <a:ext uri="{FF2B5EF4-FFF2-40B4-BE49-F238E27FC236}">
+                <a16:creationId xmlns:a16="http://schemas.microsoft.com/office/drawing/2014/main" id="{0380F878-3BF9-4D2D-9835-B390B3C956BE}"/>
+              </a:ext>
+            </a:extLst>
+          </p:cNvPr>
+          <p:cNvSpPr>
+            <a:spLocks noGrp="1"/>
+          </p:cNvSpPr>
+          <p:nvPr>
+            <p:ph type="title"/>
+          </p:nvPr>
+        </p:nvSpPr>
+        <p:spPr/>
+        <p:txBody>
+          <a:bodyPr/>
+          <a:lstStyle/>
+          <a:p>
+            <a:r>
+              <a:rPr lang="en-US" dirty="0"/>
+              <a:t>Purpose: Classify types of plastic into recyclable and non-recyclable </a:t>
+            </a:r>
+            <a:r>
+              <a:rPr lang="en-US" dirty="0" err="1"/>
+              <a:t>catigories</a:t>
+            </a:r>
+            <a:endParaRPr lang="en-US" dirty="0"/>
+          </a:p>
+        </p:txBody>
+      </p:sp>
+      <p:sp>
+        <p:nvSpPr>
+          <p:cNvPr id="3" name="Content Placeholder 2">
+            <a:extLst>
+              <a:ext uri="{FF2B5EF4-FFF2-40B4-BE49-F238E27FC236}">
+                <a16:creationId xmlns:a16="http://schemas.microsoft.com/office/drawing/2014/main" id="{BD138874-412F-44E1-AAF8-328A76C5BBDB}"/>
+              </a:ext>
+            </a:extLst>
+          </p:cNvPr>
+          <p:cNvSpPr>
+            <a:spLocks noGrp="1"/>
+          </p:cNvSpPr>
+          <p:nvPr>
+            <p:ph idx="1"/>
+          </p:nvPr>
+        </p:nvSpPr>
+        <p:spPr/>
+        <p:txBody>
+          <a:bodyPr/>
+          <a:lstStyle/>
+          <a:p>
+            <a:r>
+              <a:rPr lang="en-US" dirty="0"/>
+              <a:t>The problem in recycle centers is that the different types of plastics need to be sorted before being recycled.</a:t>
+            </a:r>
+          </a:p>
+          <a:p>
+            <a:r>
+              <a:rPr lang="en-US" dirty="0"/>
+              <a:t>Most people do not know which plastic are recyclable.</a:t>
+            </a:r>
+          </a:p>
+          <a:p>
+            <a:r>
+              <a:rPr lang="en-US" dirty="0"/>
+              <a:t>They will dump all their plastics into the recycle bins, including Styrofoam, not knowing what is recyclable.</a:t>
+            </a:r>
+          </a:p>
+          <a:p>
+            <a:endParaRPr lang="en-US" dirty="0"/>
+          </a:p>
+        </p:txBody>
+      </p:sp>
+    </p:spTree>
+    <p:extLst>
+      <p:ext uri="{BB962C8B-B14F-4D97-AF65-F5344CB8AC3E}">
+        <p14:creationId xmlns:p14="http://schemas.microsoft.com/office/powerpoint/2010/main" val="379608378"/>
+      </p:ext>
+    </p:extLst>
+  </p:cSld>
+  <p:clrMapOvr>
+    <a:masterClrMapping/>
+  </p:clrMapOvr>
+</p:sld>
+</file>
+
+<file path=ppt/slides/slide3.xml><?xml version="1.0" encoding="utf-8"?>
+<p:sld xmlns:a="http://schemas.openxmlformats.org/drawingml/2006/main" xmlns:r="http://schemas.openxmlformats.org/officeDocument/2006/relationships" xmlns:p="http://schemas.openxmlformats.org/presentationml/2006/main">
+  <p:cSld>
+    <p:spTree>
+      <p:nvGrpSpPr>
+        <p:cNvPr id="1" name=""/>
+        <p:cNvGrpSpPr/>
+        <p:nvPr/>
+      </p:nvGrpSpPr>
+      <p:grpSpPr>
+        <a:xfrm>
+          <a:off x="0" y="0"/>
+          <a:ext cx="0" cy="0"/>
+          <a:chOff x="0" y="0"/>
+          <a:chExt cx="0" cy="0"/>
+        </a:xfrm>
+      </p:grpSpPr>
+      <p:sp>
+        <p:nvSpPr>
+          <p:cNvPr id="2" name="Title 1">
+            <a:extLst>
+              <a:ext uri="{FF2B5EF4-FFF2-40B4-BE49-F238E27FC236}">
+                <a16:creationId xmlns:a16="http://schemas.microsoft.com/office/drawing/2014/main" id="{FC6CB9F5-1309-486D-B1B4-C959EDFBFB16}"/>
+              </a:ext>
+            </a:extLst>
+          </p:cNvPr>
+          <p:cNvSpPr>
+            <a:spLocks noGrp="1"/>
+          </p:cNvSpPr>
+          <p:nvPr>
+            <p:ph type="title"/>
+          </p:nvPr>
+        </p:nvSpPr>
+        <p:spPr/>
+        <p:txBody>
+          <a:bodyPr/>
+          <a:lstStyle/>
+          <a:p>
+            <a:r>
+              <a:rPr lang="en-US" dirty="0"/>
+              <a:t>Using </a:t>
+            </a:r>
+            <a:r>
+              <a:rPr lang="en-US" dirty="0" err="1"/>
+              <a:t>Tensorflow</a:t>
+            </a:r>
+            <a:r>
+              <a:rPr lang="en-US" dirty="0"/>
+              <a:t> to sort Images of different plastics</a:t>
+            </a:r>
+          </a:p>
+        </p:txBody>
+      </p:sp>
+      <p:sp>
+        <p:nvSpPr>
+          <p:cNvPr id="3" name="Content Placeholder 2">
+            <a:extLst>
+              <a:ext uri="{FF2B5EF4-FFF2-40B4-BE49-F238E27FC236}">
+                <a16:creationId xmlns:a16="http://schemas.microsoft.com/office/drawing/2014/main" id="{28FCCBD0-3145-4939-AF5C-CA34D01784EE}"/>
+              </a:ext>
+            </a:extLst>
+          </p:cNvPr>
+          <p:cNvSpPr>
+            <a:spLocks noGrp="1"/>
+          </p:cNvSpPr>
+          <p:nvPr>
+            <p:ph idx="1"/>
+          </p:nvPr>
+        </p:nvSpPr>
+        <p:spPr/>
+        <p:txBody>
+          <a:bodyPr/>
+          <a:lstStyle/>
+          <a:p>
+            <a:r>
+              <a:rPr lang="en-US" dirty="0"/>
+              <a:t>Use </a:t>
+            </a:r>
+            <a:r>
+              <a:rPr lang="en-US" dirty="0" err="1"/>
+              <a:t>Tensorflow</a:t>
+            </a:r>
+            <a:r>
+              <a:rPr lang="en-US" dirty="0"/>
+              <a:t> as the classification tool to train </a:t>
+            </a:r>
+            <a:r>
+              <a:rPr lang="en-US"/>
+              <a:t>the model.</a:t>
+            </a:r>
+          </a:p>
+          <a:p>
+            <a:endParaRPr lang="en-US" dirty="0"/>
+          </a:p>
+        </p:txBody>
+      </p:sp>
+    </p:spTree>
+    <p:extLst>
+      <p:ext uri="{BB962C8B-B14F-4D97-AF65-F5344CB8AC3E}">
+        <p14:creationId xmlns:p14="http://schemas.microsoft.com/office/powerpoint/2010/main" val="2562870464"/>
+      </p:ext>
+    </p:extLst>
+  </p:cSld>
+  <p:clrMapOvr>
+    <a:masterClrMapping/>
+  </p:clrMapOvr>
+</p:sld>
+</file>
+
 <file path=ppt/theme/theme1.xml><?xml version="1.0" encoding="utf-8"?>
 <a:theme xmlns:a="http://schemas.openxmlformats.org/drawingml/2006/main" name="Gallery">
   <a:themeElements>

--- a/Final Project.pptx
+++ b/Final Project.pptx
@@ -8,6 +8,8 @@
     <p:sldId id="256" r:id="rId2"/>
     <p:sldId id="257" r:id="rId3"/>
     <p:sldId id="258" r:id="rId4"/>
+    <p:sldId id="259" r:id="rId5"/>
+    <p:sldId id="260" r:id="rId6"/>
   </p:sldIdLst>
   <p:sldSz cx="12192000" cy="6858000"/>
   <p:notesSz cx="6858000" cy="9144000"/>
@@ -253,7 +255,7 @@
           <a:p>
             <a:fld id="{48A87A34-81AB-432B-8DAE-1953F412C126}" type="datetimeFigureOut">
               <a:rPr lang="en-US" dirty="0"/>
-              <a:t>4/8/2021</a:t>
+              <a:t>4/13/2021</a:t>
             </a:fld>
             <a:endParaRPr lang="en-US" dirty="0"/>
           </a:p>
@@ -459,7 +461,7 @@
           <a:p>
             <a:fld id="{48A87A34-81AB-432B-8DAE-1953F412C126}" type="datetimeFigureOut">
               <a:rPr lang="en-US" dirty="0"/>
-              <a:t>4/8/2021</a:t>
+              <a:t>4/13/2021</a:t>
             </a:fld>
             <a:endParaRPr lang="en-US" dirty="0"/>
           </a:p>
@@ -669,7 +671,7 @@
           <a:p>
             <a:fld id="{48A87A34-81AB-432B-8DAE-1953F412C126}" type="datetimeFigureOut">
               <a:rPr lang="en-US" dirty="0"/>
-              <a:t>4/8/2021</a:t>
+              <a:t>4/13/2021</a:t>
             </a:fld>
             <a:endParaRPr lang="en-US" dirty="0"/>
           </a:p>
@@ -865,7 +867,7 @@
           <a:p>
             <a:fld id="{48A87A34-81AB-432B-8DAE-1953F412C126}" type="datetimeFigureOut">
               <a:rPr lang="en-US" dirty="0"/>
-              <a:t>4/8/2021</a:t>
+              <a:t>4/13/2021</a:t>
             </a:fld>
             <a:endParaRPr lang="en-US" dirty="0"/>
           </a:p>
@@ -1139,7 +1141,7 @@
           <a:p>
             <a:fld id="{48A87A34-81AB-432B-8DAE-1953F412C126}" type="datetimeFigureOut">
               <a:rPr lang="en-US" dirty="0"/>
-              <a:t>4/8/2021</a:t>
+              <a:t>4/13/2021</a:t>
             </a:fld>
             <a:endParaRPr lang="en-US" dirty="0"/>
           </a:p>
@@ -1402,7 +1404,7 @@
           <a:p>
             <a:fld id="{48A87A34-81AB-432B-8DAE-1953F412C126}" type="datetimeFigureOut">
               <a:rPr lang="en-US" dirty="0"/>
-              <a:t>4/8/2021</a:t>
+              <a:t>4/13/2021</a:t>
             </a:fld>
             <a:endParaRPr lang="en-US" dirty="0"/>
           </a:p>
@@ -1813,7 +1815,7 @@
           <a:p>
             <a:fld id="{48A87A34-81AB-432B-8DAE-1953F412C126}" type="datetimeFigureOut">
               <a:rPr lang="en-US" dirty="0"/>
-              <a:t>4/8/2021</a:t>
+              <a:t>4/13/2021</a:t>
             </a:fld>
             <a:endParaRPr lang="en-US" dirty="0"/>
           </a:p>
@@ -1957,7 +1959,7 @@
           <a:p>
             <a:fld id="{48A87A34-81AB-432B-8DAE-1953F412C126}" type="datetimeFigureOut">
               <a:rPr lang="en-US" dirty="0"/>
-              <a:t>4/8/2021</a:t>
+              <a:t>4/13/2021</a:t>
             </a:fld>
             <a:endParaRPr lang="en-US" dirty="0"/>
           </a:p>
@@ -2078,7 +2080,7 @@
           <a:p>
             <a:fld id="{48A87A34-81AB-432B-8DAE-1953F412C126}" type="datetimeFigureOut">
               <a:rPr lang="en-US" dirty="0"/>
-              <a:t>4/8/2021</a:t>
+              <a:t>4/13/2021</a:t>
             </a:fld>
             <a:endParaRPr lang="en-US" dirty="0"/>
           </a:p>
@@ -2324,7 +2326,7 @@
           <a:p>
             <a:fld id="{48A87A34-81AB-432B-8DAE-1953F412C126}" type="datetimeFigureOut">
               <a:rPr lang="en-US" dirty="0"/>
-              <a:t>4/8/2021</a:t>
+              <a:t>4/13/2021</a:t>
             </a:fld>
             <a:endParaRPr lang="en-US" dirty="0"/>
           </a:p>
@@ -2765,7 +2767,7 @@
             <a:fld id="{48A87A34-81AB-432B-8DAE-1953F412C126}" type="datetimeFigureOut">
               <a:rPr lang="en-US" dirty="0"/>
               <a:pPr/>
-              <a:t>4/8/2021</a:t>
+              <a:t>4/13/2021</a:t>
             </a:fld>
             <a:endParaRPr lang="en-US" dirty="0"/>
           </a:p>
@@ -3088,7 +3090,7 @@
             <a:fld id="{48A87A34-81AB-432B-8DAE-1953F412C126}" type="datetimeFigureOut">
               <a:rPr lang="en-US" dirty="0"/>
               <a:pPr/>
-              <a:t>4/8/2021</a:t>
+              <a:t>4/13/2021</a:t>
             </a:fld>
             <a:endParaRPr lang="en-US" dirty="0"/>
           </a:p>
@@ -3689,13 +3691,8 @@
           <a:p>
             <a:r>
               <a:rPr lang="en-US" dirty="0"/>
-              <a:t>Purpose: Classify types of plastic into recyclable and non-recyclable </a:t>
-            </a:r>
-            <a:r>
-              <a:rPr lang="en-US" dirty="0" err="1"/>
-              <a:t>catigories</a:t>
-            </a:r>
-            <a:endParaRPr lang="en-US" dirty="0"/>
+              <a:t>Purpose: Classify types of plastic into recyclable and non-recyclable categories</a:t>
+            </a:r>
           </a:p>
         </p:txBody>
       </p:sp>
@@ -3795,15 +3792,7 @@
           <a:p>
             <a:r>
               <a:rPr lang="en-US" dirty="0"/>
-              <a:t>Using </a:t>
-            </a:r>
-            <a:r>
-              <a:rPr lang="en-US" dirty="0" err="1"/>
-              <a:t>Tensorflow</a:t>
-            </a:r>
-            <a:r>
-              <a:rPr lang="en-US" dirty="0"/>
-              <a:t> to sort Images of different plastics</a:t>
+              <a:t>Using TensorFlow to sort Images of different plastics</a:t>
             </a:r>
           </a:p>
         </p:txBody>
@@ -3831,23 +3820,14 @@
           <a:p>
             <a:r>
               <a:rPr lang="en-US" dirty="0"/>
-              <a:t>Use </a:t>
-            </a:r>
-            <a:r>
-              <a:rPr lang="en-US" dirty="0" err="1"/>
-              <a:t>Tensorflow</a:t>
-            </a:r>
+              <a:t>Use TensorFlow as the classification tool to train the model using a KERAS sequential model.</a:t>
+            </a:r>
+          </a:p>
+          <a:p>
             <a:r>
               <a:rPr lang="en-US" dirty="0"/>
-              <a:t> as the classification tool to train </a:t>
-            </a:r>
-            <a:r>
-              <a:rPr lang="en-US"/>
-              <a:t>the model.</a:t>
-            </a:r>
-          </a:p>
-          <a:p>
-            <a:endParaRPr lang="en-US" dirty="0"/>
+              <a:t>Run the model on a portable device to predict recyclable products.</a:t>
+            </a:r>
           </a:p>
         </p:txBody>
       </p:sp>
@@ -3855,6 +3835,211 @@
     <p:extLst>
       <p:ext uri="{BB962C8B-B14F-4D97-AF65-F5344CB8AC3E}">
         <p14:creationId xmlns:p14="http://schemas.microsoft.com/office/powerpoint/2010/main" val="2562870464"/>
+      </p:ext>
+    </p:extLst>
+  </p:cSld>
+  <p:clrMapOvr>
+    <a:masterClrMapping/>
+  </p:clrMapOvr>
+</p:sld>
+</file>
+
+<file path=ppt/slides/slide4.xml><?xml version="1.0" encoding="utf-8"?>
+<p:sld xmlns:a="http://schemas.openxmlformats.org/drawingml/2006/main" xmlns:r="http://schemas.openxmlformats.org/officeDocument/2006/relationships" xmlns:p="http://schemas.openxmlformats.org/presentationml/2006/main">
+  <p:cSld>
+    <p:spTree>
+      <p:nvGrpSpPr>
+        <p:cNvPr id="1" name=""/>
+        <p:cNvGrpSpPr/>
+        <p:nvPr/>
+      </p:nvGrpSpPr>
+      <p:grpSpPr>
+        <a:xfrm>
+          <a:off x="0" y="0"/>
+          <a:ext cx="0" cy="0"/>
+          <a:chOff x="0" y="0"/>
+          <a:chExt cx="0" cy="0"/>
+        </a:xfrm>
+      </p:grpSpPr>
+      <p:sp>
+        <p:nvSpPr>
+          <p:cNvPr id="2" name="Title 1">
+            <a:extLst>
+              <a:ext uri="{FF2B5EF4-FFF2-40B4-BE49-F238E27FC236}">
+                <a16:creationId xmlns:a16="http://schemas.microsoft.com/office/drawing/2014/main" id="{C3898B42-3436-40AB-B04A-DA2A9D713DF0}"/>
+              </a:ext>
+            </a:extLst>
+          </p:cNvPr>
+          <p:cNvSpPr>
+            <a:spLocks noGrp="1"/>
+          </p:cNvSpPr>
+          <p:nvPr>
+            <p:ph type="title"/>
+          </p:nvPr>
+        </p:nvSpPr>
+        <p:spPr/>
+        <p:txBody>
+          <a:bodyPr/>
+          <a:lstStyle/>
+          <a:p>
+            <a:r>
+              <a:rPr lang="en-US" dirty="0"/>
+              <a:t>Model Building procedure</a:t>
+            </a:r>
+          </a:p>
+        </p:txBody>
+      </p:sp>
+      <p:sp>
+        <p:nvSpPr>
+          <p:cNvPr id="3" name="Content Placeholder 2">
+            <a:extLst>
+              <a:ext uri="{FF2B5EF4-FFF2-40B4-BE49-F238E27FC236}">
+                <a16:creationId xmlns:a16="http://schemas.microsoft.com/office/drawing/2014/main" id="{CF177CD5-8767-45D8-9022-712D03581CF8}"/>
+              </a:ext>
+            </a:extLst>
+          </p:cNvPr>
+          <p:cNvSpPr>
+            <a:spLocks noGrp="1"/>
+          </p:cNvSpPr>
+          <p:nvPr>
+            <p:ph idx="1"/>
+          </p:nvPr>
+        </p:nvSpPr>
+        <p:spPr/>
+        <p:txBody>
+          <a:bodyPr/>
+          <a:lstStyle/>
+          <a:p>
+            <a:r>
+              <a:rPr lang="en-US" dirty="0"/>
+              <a:t>Load data set from a directory of Images.</a:t>
+            </a:r>
+          </a:p>
+          <a:p>
+            <a:r>
+              <a:rPr lang="en-US" dirty="0"/>
+              <a:t>Separate the images into training a test sets by 80/20.</a:t>
+            </a:r>
+          </a:p>
+          <a:p>
+            <a:r>
+              <a:rPr lang="en-US" dirty="0"/>
+              <a:t>Create the sequential model with a number of layers</a:t>
+            </a:r>
+          </a:p>
+          <a:p>
+            <a:r>
+              <a:rPr lang="en-US" dirty="0"/>
+              <a:t>Fit the model using the training set over ten epochs.</a:t>
+            </a:r>
+          </a:p>
+          <a:p>
+            <a:r>
+              <a:rPr lang="en-US" dirty="0"/>
+              <a:t>Validate using the test set.</a:t>
+            </a:r>
+          </a:p>
+          <a:p>
+            <a:r>
+              <a:rPr lang="en-US" dirty="0"/>
+              <a:t>Save the weights to a file. </a:t>
+            </a:r>
+          </a:p>
+        </p:txBody>
+      </p:sp>
+    </p:spTree>
+    <p:extLst>
+      <p:ext uri="{BB962C8B-B14F-4D97-AF65-F5344CB8AC3E}">
+        <p14:creationId xmlns:p14="http://schemas.microsoft.com/office/powerpoint/2010/main" val="141384936"/>
+      </p:ext>
+    </p:extLst>
+  </p:cSld>
+  <p:clrMapOvr>
+    <a:masterClrMapping/>
+  </p:clrMapOvr>
+</p:sld>
+</file>
+
+<file path=ppt/slides/slide5.xml><?xml version="1.0" encoding="utf-8"?>
+<p:sld xmlns:a="http://schemas.openxmlformats.org/drawingml/2006/main" xmlns:r="http://schemas.openxmlformats.org/officeDocument/2006/relationships" xmlns:p="http://schemas.openxmlformats.org/presentationml/2006/main">
+  <p:cSld>
+    <p:spTree>
+      <p:nvGrpSpPr>
+        <p:cNvPr id="1" name=""/>
+        <p:cNvGrpSpPr/>
+        <p:nvPr/>
+      </p:nvGrpSpPr>
+      <p:grpSpPr>
+        <a:xfrm>
+          <a:off x="0" y="0"/>
+          <a:ext cx="0" cy="0"/>
+          <a:chOff x="0" y="0"/>
+          <a:chExt cx="0" cy="0"/>
+        </a:xfrm>
+      </p:grpSpPr>
+      <p:sp>
+        <p:nvSpPr>
+          <p:cNvPr id="2" name="Title 1">
+            <a:extLst>
+              <a:ext uri="{FF2B5EF4-FFF2-40B4-BE49-F238E27FC236}">
+                <a16:creationId xmlns:a16="http://schemas.microsoft.com/office/drawing/2014/main" id="{17880926-AA69-4408-8B01-7AB286F77EA5}"/>
+              </a:ext>
+            </a:extLst>
+          </p:cNvPr>
+          <p:cNvSpPr>
+            <a:spLocks noGrp="1"/>
+          </p:cNvSpPr>
+          <p:nvPr>
+            <p:ph type="title"/>
+          </p:nvPr>
+        </p:nvSpPr>
+        <p:spPr/>
+        <p:txBody>
+          <a:bodyPr/>
+          <a:lstStyle/>
+          <a:p>
+            <a:r>
+              <a:rPr lang="en-US" dirty="0"/>
+              <a:t>Running the model</a:t>
+            </a:r>
+          </a:p>
+        </p:txBody>
+      </p:sp>
+      <p:sp>
+        <p:nvSpPr>
+          <p:cNvPr id="3" name="Content Placeholder 2">
+            <a:extLst>
+              <a:ext uri="{FF2B5EF4-FFF2-40B4-BE49-F238E27FC236}">
+                <a16:creationId xmlns:a16="http://schemas.microsoft.com/office/drawing/2014/main" id="{36A7AC31-CB45-4D5A-87F2-832A17D8D13A}"/>
+              </a:ext>
+            </a:extLst>
+          </p:cNvPr>
+          <p:cNvSpPr>
+            <a:spLocks noGrp="1"/>
+          </p:cNvSpPr>
+          <p:nvPr>
+            <p:ph idx="1"/>
+          </p:nvPr>
+        </p:nvSpPr>
+        <p:spPr/>
+        <p:txBody>
+          <a:bodyPr/>
+          <a:lstStyle/>
+          <a:p>
+            <a:r>
+              <a:rPr lang="en-US" dirty="0"/>
+              <a:t>Run the model on a laptop to predict the type of plastic container and whether it is recyclable.</a:t>
+            </a:r>
+          </a:p>
+          <a:p>
+            <a:endParaRPr lang="en-US" dirty="0"/>
+          </a:p>
+        </p:txBody>
+      </p:sp>
+    </p:spTree>
+    <p:extLst>
+      <p:ext uri="{BB962C8B-B14F-4D97-AF65-F5344CB8AC3E}">
+        <p14:creationId xmlns:p14="http://schemas.microsoft.com/office/powerpoint/2010/main" val="2097512241"/>
       </p:ext>
     </p:extLst>
   </p:cSld>
